--- a/Documents/Presentation-Day4.pptx
+++ b/Documents/Presentation-Day4.pptx
@@ -5,10 +5,10 @@
     <p:sldMasterId id="2147483648" r:id="rId1"/>
   </p:sldMasterIdLst>
   <p:notesMasterIdLst>
-    <p:notesMasterId r:id="rId16"/>
+    <p:notesMasterId r:id="rId14"/>
   </p:notesMasterIdLst>
   <p:handoutMasterIdLst>
-    <p:handoutMasterId r:id="rId17"/>
+    <p:handoutMasterId r:id="rId15"/>
   </p:handoutMasterIdLst>
   <p:sldIdLst>
     <p:sldId id="267" r:id="rId2"/>
@@ -20,11 +20,9 @@
     <p:sldId id="331" r:id="rId8"/>
     <p:sldId id="332" r:id="rId9"/>
     <p:sldId id="333" r:id="rId10"/>
-    <p:sldId id="334" r:id="rId11"/>
-    <p:sldId id="335" r:id="rId12"/>
-    <p:sldId id="337" r:id="rId13"/>
-    <p:sldId id="338" r:id="rId14"/>
-    <p:sldId id="325" r:id="rId15"/>
+    <p:sldId id="337" r:id="rId11"/>
+    <p:sldId id="334" r:id="rId12"/>
+    <p:sldId id="325" r:id="rId13"/>
   </p:sldIdLst>
   <p:sldSz cx="10972800" cy="7315200"/>
   <p:notesSz cx="6858000" cy="9144000"/>
@@ -125,7 +123,7 @@
   </p:defaultTextStyle>
   <p:extLst>
     <p:ext uri="{EFAFB233-063F-42B5-8137-9DF3F51BA10A}">
-      <p15:sldGuideLst xmlns="" xmlns:p15="http://schemas.microsoft.com/office/powerpoint/2012/main">
+      <p15:sldGuideLst xmlns:p15="http://schemas.microsoft.com/office/powerpoint/2012/main" xmlns="">
         <p15:guide id="1" orient="horz" pos="2304">
           <p15:clr>
             <a:srgbClr val="A4A3A4"/>
@@ -169,7 +167,7 @@
           <p:cNvPr id="2" name="Header Placeholder 1">
             <a:extLst>
               <a:ext uri="{FF2B5EF4-FFF2-40B4-BE49-F238E27FC236}">
-                <a16:creationId xmlns="" xmlns:a16="http://schemas.microsoft.com/office/drawing/2014/main" id="{7525DA16-A662-4B40-A7D1-84738FA7B200}"/>
+                <a16:creationId xmlns:a16="http://schemas.microsoft.com/office/drawing/2014/main" xmlns="" id="{7525DA16-A662-4B40-A7D1-84738FA7B200}"/>
               </a:ext>
             </a:extLst>
           </p:cNvPr>
@@ -206,7 +204,7 @@
           <p:cNvPr id="3" name="Date Placeholder 2">
             <a:extLst>
               <a:ext uri="{FF2B5EF4-FFF2-40B4-BE49-F238E27FC236}">
-                <a16:creationId xmlns="" xmlns:a16="http://schemas.microsoft.com/office/drawing/2014/main" id="{51CDE38F-397B-459E-94C9-AA9DB2352978}"/>
+                <a16:creationId xmlns:a16="http://schemas.microsoft.com/office/drawing/2014/main" xmlns="" id="{51CDE38F-397B-459E-94C9-AA9DB2352978}"/>
               </a:ext>
             </a:extLst>
           </p:cNvPr>
@@ -236,7 +234,7 @@
           <a:p>
             <a:fld id="{30ABF2E1-EF55-48DA-844B-6722C497CAF4}" type="datetimeFigureOut">
               <a:rPr lang="en-IN" smtClean="0"/>
-              <a:t>14-07-2019</a:t>
+              <a:t>15-07-2019</a:t>
             </a:fld>
             <a:endParaRPr lang="en-IN"/>
           </a:p>
@@ -247,7 +245,7 @@
           <p:cNvPr id="4" name="Footer Placeholder 3">
             <a:extLst>
               <a:ext uri="{FF2B5EF4-FFF2-40B4-BE49-F238E27FC236}">
-                <a16:creationId xmlns="" xmlns:a16="http://schemas.microsoft.com/office/drawing/2014/main" id="{18997E4A-415D-4D1B-8A8F-C2352EB28892}"/>
+                <a16:creationId xmlns:a16="http://schemas.microsoft.com/office/drawing/2014/main" xmlns="" id="{18997E4A-415D-4D1B-8A8F-C2352EB28892}"/>
               </a:ext>
             </a:extLst>
           </p:cNvPr>
@@ -284,7 +282,7 @@
           <p:cNvPr id="5" name="Slide Number Placeholder 4">
             <a:extLst>
               <a:ext uri="{FF2B5EF4-FFF2-40B4-BE49-F238E27FC236}">
-                <a16:creationId xmlns="" xmlns:a16="http://schemas.microsoft.com/office/drawing/2014/main" id="{D9FC56FB-CE1D-4B6F-BBDA-0910B2B2939A}"/>
+                <a16:creationId xmlns:a16="http://schemas.microsoft.com/office/drawing/2014/main" xmlns="" id="{D9FC56FB-CE1D-4B6F-BBDA-0910B2B2939A}"/>
               </a:ext>
             </a:extLst>
           </p:cNvPr>
@@ -415,7 +413,7 @@
             <a:fld id="{320D935E-986D-42B9-84A5-B0949C969892}" type="datetimeFigureOut">
               <a:rPr lang="en-US" smtClean="0"/>
               <a:pPr/>
-              <a:t>7/14/2019</a:t>
+              <a:t>7/15/2019</a:t>
             </a:fld>
             <a:endParaRPr lang="en-US"/>
           </a:p>
@@ -3670,10 +3668,9 @@
           <a:lstStyle/>
           <a:p>
             <a:r>
-              <a:rPr lang="en-IN" dirty="0" smtClean="0"/>
-              <a:t>Sealed Class</a:t>
-            </a:r>
-            <a:endParaRPr lang="en-IN" dirty="0"/>
+              <a:rPr lang="en-IN" dirty="0"/>
+              <a:t>Abstract Class</a:t>
+            </a:r>
           </a:p>
         </p:txBody>
       </p:sp>
@@ -3689,32 +3686,133 @@
         </p:nvSpPr>
         <p:spPr/>
         <p:txBody>
-          <a:bodyPr/>
+          <a:bodyPr>
+            <a:normAutofit fontScale="70000" lnSpcReduction="20000"/>
+          </a:bodyPr>
           <a:lstStyle/>
           <a:p>
             <a:r>
               <a:rPr lang="en-US" dirty="0"/>
-              <a:t>Sealed classes are used to restrict the inheritance feature of object oriented programming. </a:t>
-            </a:r>
-          </a:p>
-          <a:p>
-            <a:r>
-              <a:rPr lang="en-US" dirty="0" smtClean="0"/>
-              <a:t>Once </a:t>
-            </a:r>
-            <a:r>
-              <a:rPr lang="en-US" dirty="0"/>
-              <a:t>a class is defined as a sealed class, this class cannot be inherited. </a:t>
-            </a:r>
-          </a:p>
-          <a:p>
-            <a:r>
-              <a:rPr lang="en-US" dirty="0" smtClean="0"/>
-              <a:t>In </a:t>
-            </a:r>
-            <a:r>
-              <a:rPr lang="en-US" dirty="0"/>
-              <a:t>C#, the sealed modifier is used to declare a class as sealed</a:t>
+              <a:t>The abstract keyword is used to create abstract classes.</a:t>
+            </a:r>
+          </a:p>
+          <a:p>
+            <a:r>
+              <a:rPr lang="en-US" dirty="0" smtClean="0"/>
+              <a:t>An </a:t>
+            </a:r>
+            <a:r>
+              <a:rPr lang="en-US" dirty="0"/>
+              <a:t>abstract class is incomplete and hence cannot be instantiated.</a:t>
+            </a:r>
+          </a:p>
+          <a:p>
+            <a:r>
+              <a:rPr lang="en-US" dirty="0" smtClean="0"/>
+              <a:t>An </a:t>
+            </a:r>
+            <a:r>
+              <a:rPr lang="en-US" dirty="0"/>
+              <a:t>abstract class can only be used as base class.</a:t>
+            </a:r>
+          </a:p>
+          <a:p>
+            <a:r>
+              <a:rPr lang="en-US" dirty="0" smtClean="0"/>
+              <a:t>An </a:t>
+            </a:r>
+            <a:r>
+              <a:rPr lang="en-US" dirty="0"/>
+              <a:t>abstract class </a:t>
+            </a:r>
+            <a:r>
+              <a:rPr lang="en-US" dirty="0" smtClean="0"/>
+              <a:t>can’t be sealed at the same time .</a:t>
+            </a:r>
+            <a:endParaRPr lang="en-US" dirty="0"/>
+          </a:p>
+          <a:p>
+            <a:r>
+              <a:rPr lang="en-US" dirty="0" smtClean="0"/>
+              <a:t>An </a:t>
+            </a:r>
+            <a:r>
+              <a:rPr lang="en-US" dirty="0"/>
+              <a:t>abstract class may contain abstract members(methods, properties, indexers, and events), but </a:t>
+            </a:r>
+            <a:r>
+              <a:rPr lang="en-US" dirty="0" smtClean="0"/>
+              <a:t>not mandatory</a:t>
+            </a:r>
+            <a:r>
+              <a:rPr lang="en-US" dirty="0"/>
+              <a:t>.</a:t>
+            </a:r>
+          </a:p>
+          <a:p>
+            <a:r>
+              <a:rPr lang="en-US" dirty="0" smtClean="0"/>
+              <a:t>A </a:t>
+            </a:r>
+            <a:r>
+              <a:rPr lang="en-US" dirty="0"/>
+              <a:t>non-abstract class derived from an abstract class must provide implementations for all </a:t>
+            </a:r>
+            <a:r>
+              <a:rPr lang="en-US" dirty="0" smtClean="0"/>
+              <a:t>inherited abstract </a:t>
+            </a:r>
+            <a:r>
+              <a:rPr lang="en-US" dirty="0"/>
+              <a:t>members.</a:t>
+            </a:r>
+          </a:p>
+          <a:p>
+            <a:r>
+              <a:rPr lang="en-US" dirty="0" smtClean="0"/>
+              <a:t>If </a:t>
+            </a:r>
+            <a:r>
+              <a:rPr lang="en-US" dirty="0"/>
+              <a:t>a class inherits an abstract class, there are 2 options available for that class</a:t>
+            </a:r>
+          </a:p>
+          <a:p>
+            <a:pPr lvl="1"/>
+            <a:r>
+              <a:rPr lang="en-US" dirty="0" smtClean="0"/>
+              <a:t>Option </a:t>
+            </a:r>
+            <a:r>
+              <a:rPr lang="en-US" dirty="0"/>
+              <a:t>1: Provide Implementation for all the abstract members inherited from the base </a:t>
+            </a:r>
+            <a:r>
+              <a:rPr lang="en-US" dirty="0" smtClean="0"/>
+              <a:t>abstract class</a:t>
+            </a:r>
+            <a:r>
+              <a:rPr lang="en-US" dirty="0"/>
+              <a:t>.</a:t>
+            </a:r>
+          </a:p>
+          <a:p>
+            <a:pPr lvl="1"/>
+            <a:r>
+              <a:rPr lang="en-US" dirty="0" smtClean="0"/>
+              <a:t>Option </a:t>
+            </a:r>
+            <a:r>
+              <a:rPr lang="en-US" dirty="0"/>
+              <a:t>2: If the class does not wish to provide Implementation for all the abstract </a:t>
+            </a:r>
+            <a:r>
+              <a:rPr lang="en-US" dirty="0" smtClean="0"/>
+              <a:t>members</a:t>
+            </a:r>
+            <a:r>
+              <a:rPr lang="en-US" dirty="0"/>
+              <a:t>	inherited from the abstract class, then the class has to be marked as abstract.</a:t>
             </a:r>
             <a:endParaRPr lang="en-IN" dirty="0"/>
           </a:p>
@@ -3723,7 +3821,7 @@
     </p:spTree>
     <p:extLst>
       <p:ext uri="{BB962C8B-B14F-4D97-AF65-F5344CB8AC3E}">
-        <p14:creationId xmlns:p14="http://schemas.microsoft.com/office/powerpoint/2010/main" val="3858726516"/>
+        <p14:creationId xmlns:p14="http://schemas.microsoft.com/office/powerpoint/2010/main" val="3038060260"/>
       </p:ext>
     </p:extLst>
   </p:cSld>
@@ -3766,9 +3864,10 @@
           <a:lstStyle/>
           <a:p>
             <a:r>
-              <a:rPr lang="en-IN" dirty="0"/>
-              <a:t>Interface</a:t>
-            </a:r>
+              <a:rPr lang="en-IN" dirty="0" smtClean="0"/>
+              <a:t>Sealed Class</a:t>
+            </a:r>
+            <a:endParaRPr lang="en-IN" dirty="0"/>
           </a:p>
         </p:txBody>
       </p:sp>
@@ -3784,159 +3883,33 @@
         </p:nvSpPr>
         <p:spPr/>
         <p:txBody>
-          <a:bodyPr>
-            <a:normAutofit fontScale="62500" lnSpcReduction="20000"/>
-          </a:bodyPr>
+          <a:bodyPr/>
           <a:lstStyle/>
           <a:p>
             <a:r>
-              <a:rPr lang="en-US" dirty="0" smtClean="0"/>
-              <a:t>Like </a:t>
-            </a:r>
-            <a:r>
-              <a:rPr lang="en-US" dirty="0"/>
-              <a:t>classes interfaces </a:t>
-            </a:r>
-            <a:r>
-              <a:rPr lang="en-US" dirty="0" smtClean="0"/>
-              <a:t> contains the following, </a:t>
-            </a:r>
-            <a:r>
-              <a:rPr lang="en-US" dirty="0"/>
-              <a:t>but only declarations </a:t>
-            </a:r>
-            <a:r>
-              <a:rPr lang="en-US" dirty="0" smtClean="0"/>
-              <a:t> are allowed and </a:t>
-            </a:r>
-            <a:r>
-              <a:rPr lang="en-US" dirty="0"/>
-              <a:t>no implementations.</a:t>
-            </a:r>
-          </a:p>
-          <a:p>
-            <a:pPr lvl="1"/>
-            <a:r>
-              <a:rPr lang="en-US" dirty="0" smtClean="0"/>
-              <a:t>Properties</a:t>
-            </a:r>
-          </a:p>
-          <a:p>
-            <a:pPr lvl="1"/>
-            <a:r>
-              <a:rPr lang="en-US" dirty="0" smtClean="0"/>
-              <a:t>methods</a:t>
-            </a:r>
-          </a:p>
-          <a:p>
-            <a:pPr lvl="1"/>
-            <a:r>
-              <a:rPr lang="en-US" dirty="0" smtClean="0"/>
-              <a:t>delegates </a:t>
-            </a:r>
-            <a:r>
-              <a:rPr lang="en-US" dirty="0"/>
-              <a:t>or events, </a:t>
-            </a:r>
-            <a:endParaRPr lang="en-US" dirty="0" smtClean="0"/>
-          </a:p>
-          <a:p>
-            <a:r>
-              <a:rPr lang="en-US" dirty="0" smtClean="0"/>
-              <a:t>Interface </a:t>
-            </a:r>
-            <a:r>
-              <a:rPr lang="en-US" dirty="0"/>
-              <a:t>members are public by default, and they don't allow explicit access modifiers.</a:t>
-            </a:r>
-          </a:p>
-          <a:p>
-            <a:r>
-              <a:rPr lang="en-US" dirty="0" smtClean="0"/>
-              <a:t>Interfaces </a:t>
-            </a:r>
-            <a:r>
-              <a:rPr lang="en-US" dirty="0"/>
-              <a:t>cannot contain fields.</a:t>
-            </a:r>
-          </a:p>
-          <a:p>
-            <a:r>
-              <a:rPr lang="en-US" dirty="0" smtClean="0"/>
-              <a:t>If </a:t>
-            </a:r>
-            <a:r>
-              <a:rPr lang="en-US" dirty="0"/>
-              <a:t>a class or a </a:t>
-            </a:r>
-            <a:r>
-              <a:rPr lang="en-US" dirty="0" smtClean="0"/>
-              <a:t>structure </a:t>
-            </a:r>
-            <a:r>
-              <a:rPr lang="en-US" dirty="0"/>
-              <a:t>inherits from an interface, it must provide implementation for all </a:t>
-            </a:r>
-            <a:r>
-              <a:rPr lang="en-US" dirty="0" smtClean="0"/>
-              <a:t>interface members</a:t>
-            </a:r>
-            <a:r>
-              <a:rPr lang="en-US" dirty="0"/>
-              <a:t>. Otherwise, we get a compiler error.</a:t>
-            </a:r>
-          </a:p>
-          <a:p>
-            <a:r>
-              <a:rPr lang="en-US" dirty="0" smtClean="0"/>
-              <a:t>A </a:t>
-            </a:r>
-            <a:r>
-              <a:rPr lang="en-US" dirty="0"/>
-              <a:t>class or a </a:t>
-            </a:r>
-            <a:r>
-              <a:rPr lang="en-US" dirty="0" smtClean="0"/>
-              <a:t>structure </a:t>
-            </a:r>
-            <a:r>
-              <a:rPr lang="en-US" dirty="0"/>
-              <a:t>can inherit from more than one interface at the same time, but where as, a </a:t>
-            </a:r>
-            <a:r>
-              <a:rPr lang="en-US" dirty="0" smtClean="0"/>
-              <a:t>class cannot </a:t>
-            </a:r>
-            <a:r>
-              <a:rPr lang="en-US" dirty="0"/>
-              <a:t>inherit from more than once class at the same time.</a:t>
-            </a:r>
-          </a:p>
-          <a:p>
-            <a:r>
-              <a:rPr lang="en-US" dirty="0" smtClean="0"/>
-              <a:t>Interfaces </a:t>
-            </a:r>
-            <a:r>
-              <a:rPr lang="en-US" dirty="0"/>
-              <a:t>can inherit from other interfaces. </a:t>
-            </a:r>
-            <a:endParaRPr lang="en-US" dirty="0" smtClean="0"/>
-          </a:p>
-          <a:p>
-            <a:r>
-              <a:rPr lang="en-US" dirty="0" smtClean="0"/>
-              <a:t>We </a:t>
-            </a:r>
-            <a:r>
-              <a:rPr lang="en-US" dirty="0"/>
-              <a:t>cannot create an instance of an interface, but an interface reference variable can point to a</a:t>
-            </a:r>
-          </a:p>
-          <a:p>
-            <a:pPr marL="0" indent="0">
-              <a:buNone/>
-            </a:pPr>
+              <a:rPr lang="en-US" dirty="0"/>
+              <a:t>Sealed classes are used to restrict the inheritance feature of object oriented programming. </a:t>
+            </a:r>
+          </a:p>
+          <a:p>
+            <a:r>
+              <a:rPr lang="en-US" dirty="0" smtClean="0"/>
+              <a:t>Once </a:t>
+            </a:r>
+            <a:r>
+              <a:rPr lang="en-US" dirty="0"/>
+              <a:t>a class is defined as a sealed class, this class cannot be inherited. </a:t>
+            </a:r>
+          </a:p>
+          <a:p>
+            <a:r>
+              <a:rPr lang="en-US" dirty="0" smtClean="0"/>
+              <a:t>In </a:t>
+            </a:r>
+            <a:r>
+              <a:rPr lang="en-US" dirty="0"/>
+              <a:t>C#, the sealed modifier is used to declare a class as sealed</a:t>
+            </a:r>
             <a:endParaRPr lang="en-IN" dirty="0"/>
           </a:p>
         </p:txBody>
@@ -3944,7 +3917,7 @@
     </p:spTree>
     <p:extLst>
       <p:ext uri="{BB962C8B-B14F-4D97-AF65-F5344CB8AC3E}">
-        <p14:creationId xmlns:p14="http://schemas.microsoft.com/office/powerpoint/2010/main" val="3208176957"/>
+        <p14:creationId xmlns:p14="http://schemas.microsoft.com/office/powerpoint/2010/main" val="3858726516"/>
       </p:ext>
     </p:extLst>
   </p:cSld>
@@ -3973,384 +3946,6 @@
       </p:grpSpPr>
       <p:sp>
         <p:nvSpPr>
-          <p:cNvPr id="2" name="Title 1"/>
-          <p:cNvSpPr>
-            <a:spLocks noGrp="1"/>
-          </p:cNvSpPr>
-          <p:nvPr>
-            <p:ph type="title"/>
-          </p:nvPr>
-        </p:nvSpPr>
-        <p:spPr/>
-        <p:txBody>
-          <a:bodyPr/>
-          <a:lstStyle/>
-          <a:p>
-            <a:r>
-              <a:rPr lang="en-IN" dirty="0"/>
-              <a:t>Abstract Class</a:t>
-            </a:r>
-          </a:p>
-        </p:txBody>
-      </p:sp>
-      <p:sp>
-        <p:nvSpPr>
-          <p:cNvPr id="3" name="Content Placeholder 2"/>
-          <p:cNvSpPr>
-            <a:spLocks noGrp="1"/>
-          </p:cNvSpPr>
-          <p:nvPr>
-            <p:ph idx="1"/>
-          </p:nvPr>
-        </p:nvSpPr>
-        <p:spPr/>
-        <p:txBody>
-          <a:bodyPr>
-            <a:normAutofit fontScale="70000" lnSpcReduction="20000"/>
-          </a:bodyPr>
-          <a:lstStyle/>
-          <a:p>
-            <a:r>
-              <a:rPr lang="en-US" dirty="0"/>
-              <a:t>The abstract keyword is used to create abstract classes.</a:t>
-            </a:r>
-          </a:p>
-          <a:p>
-            <a:r>
-              <a:rPr lang="en-US" dirty="0" smtClean="0"/>
-              <a:t>An </a:t>
-            </a:r>
-            <a:r>
-              <a:rPr lang="en-US" dirty="0"/>
-              <a:t>abstract class is incomplete and hence cannot be instantiated.</a:t>
-            </a:r>
-          </a:p>
-          <a:p>
-            <a:r>
-              <a:rPr lang="en-US" dirty="0" smtClean="0"/>
-              <a:t>An </a:t>
-            </a:r>
-            <a:r>
-              <a:rPr lang="en-US" dirty="0"/>
-              <a:t>abstract class can only be used as base class.</a:t>
-            </a:r>
-          </a:p>
-          <a:p>
-            <a:r>
-              <a:rPr lang="en-US" dirty="0" smtClean="0"/>
-              <a:t>An </a:t>
-            </a:r>
-            <a:r>
-              <a:rPr lang="en-US" dirty="0"/>
-              <a:t>abstract class </a:t>
-            </a:r>
-            <a:r>
-              <a:rPr lang="en-US" dirty="0" smtClean="0"/>
-              <a:t>can’t be sealed at the same time .</a:t>
-            </a:r>
-            <a:endParaRPr lang="en-US" dirty="0"/>
-          </a:p>
-          <a:p>
-            <a:r>
-              <a:rPr lang="en-US" dirty="0" smtClean="0"/>
-              <a:t>An </a:t>
-            </a:r>
-            <a:r>
-              <a:rPr lang="en-US" dirty="0"/>
-              <a:t>abstract class may contain abstract members(methods, properties, indexers, and events), but </a:t>
-            </a:r>
-            <a:r>
-              <a:rPr lang="en-US" dirty="0" smtClean="0"/>
-              <a:t>not mandatory</a:t>
-            </a:r>
-            <a:r>
-              <a:rPr lang="en-US" dirty="0"/>
-              <a:t>.</a:t>
-            </a:r>
-          </a:p>
-          <a:p>
-            <a:r>
-              <a:rPr lang="en-US" dirty="0" smtClean="0"/>
-              <a:t>A </a:t>
-            </a:r>
-            <a:r>
-              <a:rPr lang="en-US" dirty="0"/>
-              <a:t>non-abstract class derived from an abstract class must provide implementations for all </a:t>
-            </a:r>
-            <a:r>
-              <a:rPr lang="en-US" dirty="0" smtClean="0"/>
-              <a:t>inherited abstract </a:t>
-            </a:r>
-            <a:r>
-              <a:rPr lang="en-US" dirty="0"/>
-              <a:t>members.</a:t>
-            </a:r>
-          </a:p>
-          <a:p>
-            <a:r>
-              <a:rPr lang="en-US" dirty="0" smtClean="0"/>
-              <a:t>If </a:t>
-            </a:r>
-            <a:r>
-              <a:rPr lang="en-US" dirty="0"/>
-              <a:t>a class inherits an abstract class, there are 2 options available for that class</a:t>
-            </a:r>
-          </a:p>
-          <a:p>
-            <a:pPr lvl="1"/>
-            <a:r>
-              <a:rPr lang="en-US" dirty="0" smtClean="0"/>
-              <a:t>Option </a:t>
-            </a:r>
-            <a:r>
-              <a:rPr lang="en-US" dirty="0"/>
-              <a:t>1: Provide Implementation for all the abstract members inherited from the base </a:t>
-            </a:r>
-            <a:r>
-              <a:rPr lang="en-US" dirty="0" smtClean="0"/>
-              <a:t>abstract class</a:t>
-            </a:r>
-            <a:r>
-              <a:rPr lang="en-US" dirty="0"/>
-              <a:t>.</a:t>
-            </a:r>
-          </a:p>
-          <a:p>
-            <a:pPr lvl="1"/>
-            <a:r>
-              <a:rPr lang="en-US" dirty="0" smtClean="0"/>
-              <a:t>Option </a:t>
-            </a:r>
-            <a:r>
-              <a:rPr lang="en-US" dirty="0"/>
-              <a:t>2: If the class does not wish to provide Implementation for all the abstract </a:t>
-            </a:r>
-            <a:r>
-              <a:rPr lang="en-US" dirty="0" smtClean="0"/>
-              <a:t>members</a:t>
-            </a:r>
-            <a:r>
-              <a:rPr lang="en-US" dirty="0"/>
-              <a:t>	inherited from the abstract class, then the class has to be marked as abstract.</a:t>
-            </a:r>
-            <a:endParaRPr lang="en-IN" dirty="0"/>
-          </a:p>
-        </p:txBody>
-      </p:sp>
-    </p:spTree>
-    <p:extLst>
-      <p:ext uri="{BB962C8B-B14F-4D97-AF65-F5344CB8AC3E}">
-        <p14:creationId xmlns:p14="http://schemas.microsoft.com/office/powerpoint/2010/main" val="3038060260"/>
-      </p:ext>
-    </p:extLst>
-  </p:cSld>
-  <p:clrMapOvr>
-    <a:masterClrMapping/>
-  </p:clrMapOvr>
-</p:sld>
-</file>
-
-<file path=ppt/slides/slide13.xml><?xml version="1.0" encoding="utf-8"?>
-<p:sld xmlns:a="http://schemas.openxmlformats.org/drawingml/2006/main" xmlns:r="http://schemas.openxmlformats.org/officeDocument/2006/relationships" xmlns:p="http://schemas.openxmlformats.org/presentationml/2006/main">
-  <p:cSld>
-    <p:spTree>
-      <p:nvGrpSpPr>
-        <p:cNvPr id="1" name=""/>
-        <p:cNvGrpSpPr/>
-        <p:nvPr/>
-      </p:nvGrpSpPr>
-      <p:grpSpPr>
-        <a:xfrm>
-          <a:off x="0" y="0"/>
-          <a:ext cx="0" cy="0"/>
-          <a:chOff x="0" y="0"/>
-          <a:chExt cx="0" cy="0"/>
-        </a:xfrm>
-      </p:grpSpPr>
-      <p:sp>
-        <p:nvSpPr>
-          <p:cNvPr id="2" name="Title 1"/>
-          <p:cNvSpPr>
-            <a:spLocks noGrp="1"/>
-          </p:cNvSpPr>
-          <p:nvPr>
-            <p:ph type="title"/>
-          </p:nvPr>
-        </p:nvSpPr>
-        <p:spPr/>
-        <p:txBody>
-          <a:bodyPr/>
-          <a:lstStyle/>
-          <a:p>
-            <a:r>
-              <a:rPr lang="en-IN" dirty="0"/>
-              <a:t>Abstract classes Vs Interfaces</a:t>
-            </a:r>
-          </a:p>
-        </p:txBody>
-      </p:sp>
-      <p:sp>
-        <p:nvSpPr>
-          <p:cNvPr id="3" name="Content Placeholder 2"/>
-          <p:cNvSpPr>
-            <a:spLocks noGrp="1"/>
-          </p:cNvSpPr>
-          <p:nvPr>
-            <p:ph idx="1"/>
-          </p:nvPr>
-        </p:nvSpPr>
-        <p:spPr/>
-        <p:txBody>
-          <a:bodyPr>
-            <a:normAutofit fontScale="70000" lnSpcReduction="20000"/>
-          </a:bodyPr>
-          <a:lstStyle/>
-          <a:p>
-            <a:r>
-              <a:rPr lang="en-US" dirty="0"/>
-              <a:t>Abstract classes can have implementations for some of its members (Methods), but </a:t>
-            </a:r>
-            <a:r>
-              <a:rPr lang="en-US" dirty="0" smtClean="0"/>
-              <a:t>the interface </a:t>
-            </a:r>
-            <a:r>
-              <a:rPr lang="en-US" dirty="0"/>
-              <a:t>can't have implementation for any of its members.</a:t>
-            </a:r>
-          </a:p>
-          <a:p>
-            <a:endParaRPr lang="en-US" dirty="0"/>
-          </a:p>
-          <a:p>
-            <a:r>
-              <a:rPr lang="en-US" dirty="0" smtClean="0"/>
-              <a:t>Interfaces </a:t>
-            </a:r>
-            <a:r>
-              <a:rPr lang="en-US" dirty="0"/>
-              <a:t>cannot have fields where as an abstract class can have fields.</a:t>
-            </a:r>
-          </a:p>
-          <a:p>
-            <a:r>
-              <a:rPr lang="en-US" dirty="0" smtClean="0"/>
-              <a:t>An </a:t>
-            </a:r>
-            <a:r>
-              <a:rPr lang="en-US" dirty="0"/>
-              <a:t>interface can inherit from another interface only and cannot inherit from an </a:t>
-            </a:r>
-            <a:r>
-              <a:rPr lang="en-US" dirty="0" smtClean="0"/>
-              <a:t>abstract class</a:t>
-            </a:r>
-            <a:r>
-              <a:rPr lang="en-US" dirty="0"/>
-              <a:t>, where as an abstract class can </a:t>
-            </a:r>
-            <a:r>
-              <a:rPr lang="en-US" dirty="0" smtClean="0"/>
-              <a:t>inherit from </a:t>
-            </a:r>
-            <a:r>
-              <a:rPr lang="en-US" dirty="0"/>
-              <a:t>another abstract class or </a:t>
-            </a:r>
-            <a:r>
-              <a:rPr lang="en-US" dirty="0" smtClean="0"/>
-              <a:t>another interface</a:t>
-            </a:r>
-            <a:r>
-              <a:rPr lang="en-US" dirty="0"/>
-              <a:t>.</a:t>
-            </a:r>
-          </a:p>
-          <a:p>
-            <a:endParaRPr lang="en-US" dirty="0"/>
-          </a:p>
-          <a:p>
-            <a:r>
-              <a:rPr lang="en-US" dirty="0" smtClean="0"/>
-              <a:t>A </a:t>
-            </a:r>
-            <a:r>
-              <a:rPr lang="en-US" dirty="0"/>
-              <a:t>class can </a:t>
-            </a:r>
-            <a:r>
-              <a:rPr lang="en-US" dirty="0" smtClean="0"/>
-              <a:t>inherit from </a:t>
-            </a:r>
-            <a:r>
-              <a:rPr lang="en-US" dirty="0"/>
-              <a:t>multiple interfaces at the same time, where as a class </a:t>
-            </a:r>
-            <a:r>
-              <a:rPr lang="en-US" dirty="0" smtClean="0"/>
-              <a:t>can’t inherit </a:t>
-            </a:r>
-            <a:r>
-              <a:rPr lang="en-US" dirty="0"/>
-              <a:t>from multiple classes at the same time.</a:t>
-            </a:r>
-          </a:p>
-          <a:p>
-            <a:endParaRPr lang="en-US" dirty="0"/>
-          </a:p>
-          <a:p>
-            <a:r>
-              <a:rPr lang="en-US" dirty="0" smtClean="0"/>
-              <a:t>Abstract </a:t>
-            </a:r>
-            <a:r>
-              <a:rPr lang="en-US" dirty="0"/>
-              <a:t>class members can have access modifiers where as interface members </a:t>
-            </a:r>
-            <a:r>
-              <a:rPr lang="en-US" dirty="0" smtClean="0"/>
-              <a:t>cannot have access modifiers</a:t>
-            </a:r>
-            <a:r>
-              <a:rPr lang="en-US" dirty="0"/>
-              <a:t>.	</a:t>
-            </a:r>
-            <a:endParaRPr lang="en-IN" dirty="0"/>
-          </a:p>
-        </p:txBody>
-      </p:sp>
-    </p:spTree>
-    <p:extLst>
-      <p:ext uri="{BB962C8B-B14F-4D97-AF65-F5344CB8AC3E}">
-        <p14:creationId xmlns:p14="http://schemas.microsoft.com/office/powerpoint/2010/main" val="815518993"/>
-      </p:ext>
-    </p:extLst>
-  </p:cSld>
-  <p:clrMapOvr>
-    <a:masterClrMapping/>
-  </p:clrMapOvr>
-</p:sld>
-</file>
-
-<file path=ppt/slides/slide14.xml><?xml version="1.0" encoding="utf-8"?>
-<p:sld xmlns:a="http://schemas.openxmlformats.org/drawingml/2006/main" xmlns:r="http://schemas.openxmlformats.org/officeDocument/2006/relationships" xmlns:p="http://schemas.openxmlformats.org/presentationml/2006/main">
-  <p:cSld>
-    <p:spTree>
-      <p:nvGrpSpPr>
-        <p:cNvPr id="1" name=""/>
-        <p:cNvGrpSpPr/>
-        <p:nvPr/>
-      </p:nvGrpSpPr>
-      <p:grpSpPr>
-        <a:xfrm>
-          <a:off x="0" y="0"/>
-          <a:ext cx="0" cy="0"/>
-          <a:chOff x="0" y="0"/>
-          <a:chExt cx="0" cy="0"/>
-        </a:xfrm>
-      </p:grpSpPr>
-      <p:sp>
-        <p:nvSpPr>
           <p:cNvPr id="3" name="Title 2"/>
           <p:cNvSpPr>
             <a:spLocks noGrp="1"/>
@@ -4401,7 +3996,7 @@
           <p:cNvPr id="2" name="Title 1">
             <a:extLst>
               <a:ext uri="{FF2B5EF4-FFF2-40B4-BE49-F238E27FC236}">
-                <a16:creationId xmlns="" xmlns:a16="http://schemas.microsoft.com/office/drawing/2014/main" id="{9170143F-C677-444B-80CA-21A7AB6AD737}"/>
+                <a16:creationId xmlns:a16="http://schemas.microsoft.com/office/drawing/2014/main" xmlns="" id="{9170143F-C677-444B-80CA-21A7AB6AD737}"/>
               </a:ext>
             </a:extLst>
           </p:cNvPr>
@@ -4432,7 +4027,7 @@
           <p:cNvPr id="5" name="TextBox 4">
             <a:extLst>
               <a:ext uri="{FF2B5EF4-FFF2-40B4-BE49-F238E27FC236}">
-                <a16:creationId xmlns="" xmlns:a16="http://schemas.microsoft.com/office/drawing/2014/main" id="{95F8BEE3-9508-4FA0-B8D8-5A727A97DF5D}"/>
+                <a16:creationId xmlns:a16="http://schemas.microsoft.com/office/drawing/2014/main" xmlns="" id="{95F8BEE3-9508-4FA0-B8D8-5A727A97DF5D}"/>
               </a:ext>
             </a:extLst>
           </p:cNvPr>
@@ -4470,7 +4065,7 @@
           <p:cNvPr id="6" name="Content Placeholder 5">
             <a:extLst>
               <a:ext uri="{FF2B5EF4-FFF2-40B4-BE49-F238E27FC236}">
-                <a16:creationId xmlns="" xmlns:a16="http://schemas.microsoft.com/office/drawing/2014/main" id="{912C6183-4375-455B-B1DA-8224D19657A5}"/>
+                <a16:creationId xmlns:a16="http://schemas.microsoft.com/office/drawing/2014/main" xmlns="" id="{912C6183-4375-455B-B1DA-8224D19657A5}"/>
               </a:ext>
             </a:extLst>
           </p:cNvPr>
@@ -4529,23 +4124,7 @@
           <a:p>
             <a:pPr lvl="1"/>
             <a:r>
-              <a:rPr lang="en-US" dirty="0" smtClean="0"/>
-              <a:t>Structure</a:t>
-            </a:r>
-            <a:endParaRPr lang="en-US" dirty="0"/>
-          </a:p>
-          <a:p>
-            <a:pPr lvl="1"/>
-            <a:r>
-              <a:rPr lang="en-US" dirty="0" smtClean="0"/>
-              <a:t>Interface</a:t>
-            </a:r>
-            <a:endParaRPr lang="en-US" dirty="0"/>
-          </a:p>
-          <a:p>
-            <a:pPr lvl="1"/>
-            <a:r>
-              <a:rPr lang="en-US" dirty="0" smtClean="0"/>
+              <a:rPr lang="en-US" smtClean="0"/>
               <a:t>Abstract </a:t>
             </a:r>
             <a:r>
@@ -4676,13 +4255,8 @@
             <a:pPr lvl="1"/>
             <a:r>
               <a:rPr lang="en-IN" dirty="0" smtClean="0"/>
-              <a:t>? </a:t>
-            </a:r>
-            <a:r>
-              <a:rPr lang="en-IN" dirty="0" smtClean="0"/>
-              <a:t>Questions</a:t>
-            </a:r>
-            <a:endParaRPr lang="en-IN" dirty="0" smtClean="0"/>
+              <a:t>? Questions</a:t>
+            </a:r>
           </a:p>
           <a:p>
             <a:pPr lvl="1"/>
@@ -6656,7 +6230,7 @@
   <a:extraClrSchemeLst/>
   <a:extLst>
     <a:ext uri="{05A4C25C-085E-4340-85A3-A5531E510DB2}">
-      <thm15:themeFamily xmlns="" xmlns:thm15="http://schemas.microsoft.com/office/thememl/2012/main" name="Office Theme" id="{62F939B6-93AF-4DB8-9C6B-D6C7DFDC589F}" vid="{4A3C46E8-61CC-4603-A589-7422A47A8E4A}"/>
+      <thm15:themeFamily xmlns:thm15="http://schemas.microsoft.com/office/thememl/2012/main" xmlns="" name="Office Theme" id="{62F939B6-93AF-4DB8-9C6B-D6C7DFDC589F}" vid="{4A3C46E8-61CC-4603-A589-7422A47A8E4A}"/>
     </a:ext>
   </a:extLst>
 </a:theme>

--- a/Documents/Presentation-Day4.pptx
+++ b/Documents/Presentation-Day4.pptx
@@ -123,7 +123,7 @@
   </p:defaultTextStyle>
   <p:extLst>
     <p:ext uri="{EFAFB233-063F-42B5-8137-9DF3F51BA10A}">
-      <p15:sldGuideLst xmlns:p15="http://schemas.microsoft.com/office/powerpoint/2012/main" xmlns="">
+      <p15:sldGuideLst xmlns="" xmlns:p15="http://schemas.microsoft.com/office/powerpoint/2012/main">
         <p15:guide id="1" orient="horz" pos="2304">
           <p15:clr>
             <a:srgbClr val="A4A3A4"/>
@@ -167,7 +167,7 @@
           <p:cNvPr id="2" name="Header Placeholder 1">
             <a:extLst>
               <a:ext uri="{FF2B5EF4-FFF2-40B4-BE49-F238E27FC236}">
-                <a16:creationId xmlns:a16="http://schemas.microsoft.com/office/drawing/2014/main" xmlns="" id="{7525DA16-A662-4B40-A7D1-84738FA7B200}"/>
+                <a16:creationId xmlns="" xmlns:a16="http://schemas.microsoft.com/office/drawing/2014/main" id="{7525DA16-A662-4B40-A7D1-84738FA7B200}"/>
               </a:ext>
             </a:extLst>
           </p:cNvPr>
@@ -204,7 +204,7 @@
           <p:cNvPr id="3" name="Date Placeholder 2">
             <a:extLst>
               <a:ext uri="{FF2B5EF4-FFF2-40B4-BE49-F238E27FC236}">
-                <a16:creationId xmlns:a16="http://schemas.microsoft.com/office/drawing/2014/main" xmlns="" id="{51CDE38F-397B-459E-94C9-AA9DB2352978}"/>
+                <a16:creationId xmlns="" xmlns:a16="http://schemas.microsoft.com/office/drawing/2014/main" id="{51CDE38F-397B-459E-94C9-AA9DB2352978}"/>
               </a:ext>
             </a:extLst>
           </p:cNvPr>
@@ -245,7 +245,7 @@
           <p:cNvPr id="4" name="Footer Placeholder 3">
             <a:extLst>
               <a:ext uri="{FF2B5EF4-FFF2-40B4-BE49-F238E27FC236}">
-                <a16:creationId xmlns:a16="http://schemas.microsoft.com/office/drawing/2014/main" xmlns="" id="{18997E4A-415D-4D1B-8A8F-C2352EB28892}"/>
+                <a16:creationId xmlns="" xmlns:a16="http://schemas.microsoft.com/office/drawing/2014/main" id="{18997E4A-415D-4D1B-8A8F-C2352EB28892}"/>
               </a:ext>
             </a:extLst>
           </p:cNvPr>
@@ -282,7 +282,7 @@
           <p:cNvPr id="5" name="Slide Number Placeholder 4">
             <a:extLst>
               <a:ext uri="{FF2B5EF4-FFF2-40B4-BE49-F238E27FC236}">
-                <a16:creationId xmlns:a16="http://schemas.microsoft.com/office/drawing/2014/main" xmlns="" id="{D9FC56FB-CE1D-4B6F-BBDA-0910B2B2939A}"/>
+                <a16:creationId xmlns="" xmlns:a16="http://schemas.microsoft.com/office/drawing/2014/main" id="{D9FC56FB-CE1D-4B6F-BBDA-0910B2B2939A}"/>
               </a:ext>
             </a:extLst>
           </p:cNvPr>
@@ -3996,7 +3996,7 @@
           <p:cNvPr id="2" name="Title 1">
             <a:extLst>
               <a:ext uri="{FF2B5EF4-FFF2-40B4-BE49-F238E27FC236}">
-                <a16:creationId xmlns:a16="http://schemas.microsoft.com/office/drawing/2014/main" xmlns="" id="{9170143F-C677-444B-80CA-21A7AB6AD737}"/>
+                <a16:creationId xmlns="" xmlns:a16="http://schemas.microsoft.com/office/drawing/2014/main" id="{9170143F-C677-444B-80CA-21A7AB6AD737}"/>
               </a:ext>
             </a:extLst>
           </p:cNvPr>
@@ -4027,7 +4027,7 @@
           <p:cNvPr id="5" name="TextBox 4">
             <a:extLst>
               <a:ext uri="{FF2B5EF4-FFF2-40B4-BE49-F238E27FC236}">
-                <a16:creationId xmlns:a16="http://schemas.microsoft.com/office/drawing/2014/main" xmlns="" id="{95F8BEE3-9508-4FA0-B8D8-5A727A97DF5D}"/>
+                <a16:creationId xmlns="" xmlns:a16="http://schemas.microsoft.com/office/drawing/2014/main" id="{95F8BEE3-9508-4FA0-B8D8-5A727A97DF5D}"/>
               </a:ext>
             </a:extLst>
           </p:cNvPr>
@@ -4065,7 +4065,7 @@
           <p:cNvPr id="6" name="Content Placeholder 5">
             <a:extLst>
               <a:ext uri="{FF2B5EF4-FFF2-40B4-BE49-F238E27FC236}">
-                <a16:creationId xmlns:a16="http://schemas.microsoft.com/office/drawing/2014/main" xmlns="" id="{912C6183-4375-455B-B1DA-8224D19657A5}"/>
+                <a16:creationId xmlns="" xmlns:a16="http://schemas.microsoft.com/office/drawing/2014/main" id="{912C6183-4375-455B-B1DA-8224D19657A5}"/>
               </a:ext>
             </a:extLst>
           </p:cNvPr>
@@ -4634,9 +4634,10 @@
           <a:lstStyle/>
           <a:p>
             <a:r>
-              <a:rPr lang="en-IN" dirty="0"/>
-              <a:t>Overloading</a:t>
-            </a:r>
+              <a:rPr lang="en-IN" dirty="0" smtClean="0"/>
+              <a:t>Overriding</a:t>
+            </a:r>
+            <a:endParaRPr lang="en-IN" dirty="0"/>
           </a:p>
         </p:txBody>
       </p:sp>
@@ -6230,7 +6231,7 @@
   <a:extraClrSchemeLst/>
   <a:extLst>
     <a:ext uri="{05A4C25C-085E-4340-85A3-A5531E510DB2}">
-      <thm15:themeFamily xmlns:thm15="http://schemas.microsoft.com/office/thememl/2012/main" xmlns="" name="Office Theme" id="{62F939B6-93AF-4DB8-9C6B-D6C7DFDC589F}" vid="{4A3C46E8-61CC-4603-A589-7422A47A8E4A}"/>
+      <thm15:themeFamily xmlns="" xmlns:thm15="http://schemas.microsoft.com/office/thememl/2012/main" name="Office Theme" id="{62F939B6-93AF-4DB8-9C6B-D6C7DFDC589F}" vid="{4A3C46E8-61CC-4603-A589-7422A47A8E4A}"/>
     </a:ext>
   </a:extLst>
 </a:theme>
